--- a/Niko_Cloud Breach_0114까지/Cloud Breach_PDF.pptx
+++ b/Niko_Cloud Breach_0114까지/Cloud Breach_PDF.pptx
@@ -256,7 +256,7 @@
           <a:p>
             <a:fld id="{00896B9A-58E5-4E94-B12F-3390E22FD3FB}" type="datetimeFigureOut">
               <a:rPr lang="ko-KR" altLang="en-US" smtClean="0"/>
-              <a:t>2021-01-12</a:t>
+              <a:t>2021-01-15</a:t>
             </a:fld>
             <a:endParaRPr lang="ko-KR" altLang="en-US"/>
           </a:p>
@@ -426,7 +426,7 @@
           <a:p>
             <a:fld id="{00896B9A-58E5-4E94-B12F-3390E22FD3FB}" type="datetimeFigureOut">
               <a:rPr lang="ko-KR" altLang="en-US" smtClean="0"/>
-              <a:t>2021-01-12</a:t>
+              <a:t>2021-01-15</a:t>
             </a:fld>
             <a:endParaRPr lang="ko-KR" altLang="en-US"/>
           </a:p>
@@ -606,7 +606,7 @@
           <a:p>
             <a:fld id="{00896B9A-58E5-4E94-B12F-3390E22FD3FB}" type="datetimeFigureOut">
               <a:rPr lang="ko-KR" altLang="en-US" smtClean="0"/>
-              <a:t>2021-01-12</a:t>
+              <a:t>2021-01-15</a:t>
             </a:fld>
             <a:endParaRPr lang="ko-KR" altLang="en-US"/>
           </a:p>
@@ -776,7 +776,7 @@
           <a:p>
             <a:fld id="{00896B9A-58E5-4E94-B12F-3390E22FD3FB}" type="datetimeFigureOut">
               <a:rPr lang="ko-KR" altLang="en-US" smtClean="0"/>
-              <a:t>2021-01-12</a:t>
+              <a:t>2021-01-15</a:t>
             </a:fld>
             <a:endParaRPr lang="ko-KR" altLang="en-US"/>
           </a:p>
@@ -1022,7 +1022,7 @@
           <a:p>
             <a:fld id="{00896B9A-58E5-4E94-B12F-3390E22FD3FB}" type="datetimeFigureOut">
               <a:rPr lang="ko-KR" altLang="en-US" smtClean="0"/>
-              <a:t>2021-01-12</a:t>
+              <a:t>2021-01-15</a:t>
             </a:fld>
             <a:endParaRPr lang="ko-KR" altLang="en-US"/>
           </a:p>
@@ -1254,7 +1254,7 @@
           <a:p>
             <a:fld id="{00896B9A-58E5-4E94-B12F-3390E22FD3FB}" type="datetimeFigureOut">
               <a:rPr lang="ko-KR" altLang="en-US" smtClean="0"/>
-              <a:t>2021-01-12</a:t>
+              <a:t>2021-01-15</a:t>
             </a:fld>
             <a:endParaRPr lang="ko-KR" altLang="en-US"/>
           </a:p>
@@ -1621,7 +1621,7 @@
           <a:p>
             <a:fld id="{00896B9A-58E5-4E94-B12F-3390E22FD3FB}" type="datetimeFigureOut">
               <a:rPr lang="ko-KR" altLang="en-US" smtClean="0"/>
-              <a:t>2021-01-12</a:t>
+              <a:t>2021-01-15</a:t>
             </a:fld>
             <a:endParaRPr lang="ko-KR" altLang="en-US"/>
           </a:p>
@@ -1739,7 +1739,7 @@
           <a:p>
             <a:fld id="{00896B9A-58E5-4E94-B12F-3390E22FD3FB}" type="datetimeFigureOut">
               <a:rPr lang="ko-KR" altLang="en-US" smtClean="0"/>
-              <a:t>2021-01-12</a:t>
+              <a:t>2021-01-15</a:t>
             </a:fld>
             <a:endParaRPr lang="ko-KR" altLang="en-US"/>
           </a:p>
@@ -1834,7 +1834,7 @@
           <a:p>
             <a:fld id="{00896B9A-58E5-4E94-B12F-3390E22FD3FB}" type="datetimeFigureOut">
               <a:rPr lang="ko-KR" altLang="en-US" smtClean="0"/>
-              <a:t>2021-01-12</a:t>
+              <a:t>2021-01-15</a:t>
             </a:fld>
             <a:endParaRPr lang="ko-KR" altLang="en-US"/>
           </a:p>
@@ -2111,7 +2111,7 @@
           <a:p>
             <a:fld id="{00896B9A-58E5-4E94-B12F-3390E22FD3FB}" type="datetimeFigureOut">
               <a:rPr lang="ko-KR" altLang="en-US" smtClean="0"/>
-              <a:t>2021-01-12</a:t>
+              <a:t>2021-01-15</a:t>
             </a:fld>
             <a:endParaRPr lang="ko-KR" altLang="en-US"/>
           </a:p>
@@ -2368,7 +2368,7 @@
           <a:p>
             <a:fld id="{00896B9A-58E5-4E94-B12F-3390E22FD3FB}" type="datetimeFigureOut">
               <a:rPr lang="ko-KR" altLang="en-US" smtClean="0"/>
-              <a:t>2021-01-12</a:t>
+              <a:t>2021-01-15</a:t>
             </a:fld>
             <a:endParaRPr lang="ko-KR" altLang="en-US"/>
           </a:p>
@@ -2581,7 +2581,7 @@
           <a:p>
             <a:fld id="{00896B9A-58E5-4E94-B12F-3390E22FD3FB}" type="datetimeFigureOut">
               <a:rPr lang="ko-KR" altLang="en-US" smtClean="0"/>
-              <a:t>2021-01-12</a:t>
+              <a:t>2021-01-15</a:t>
             </a:fld>
             <a:endParaRPr lang="ko-KR" altLang="en-US"/>
           </a:p>
@@ -5398,6 +5398,268 @@
           </a:p>
         </p:txBody>
       </p:sp>
+      <p:sp>
+        <p:nvSpPr>
+          <p:cNvPr id="42" name="TextBox 41">
+            <a:extLst>
+              <a:ext uri="{FF2B5EF4-FFF2-40B4-BE49-F238E27FC236}">
+                <a16:creationId xmlns:a16="http://schemas.microsoft.com/office/drawing/2014/main" id="{B7ABD59B-DBA6-4A2B-B7CD-6E96C6D0B422}"/>
+              </a:ext>
+            </a:extLst>
+          </p:cNvPr>
+          <p:cNvSpPr txBox="1"/>
+          <p:nvPr/>
+        </p:nvSpPr>
+        <p:spPr>
+          <a:xfrm>
+            <a:off x="3264946" y="1347931"/>
+            <a:ext cx="6096000" cy="338554"/>
+          </a:xfrm>
+          <a:prstGeom prst="rect">
+            <a:avLst/>
+          </a:prstGeom>
+          <a:noFill/>
+        </p:spPr>
+        <p:txBody>
+          <a:bodyPr wrap="square">
+            <a:spAutoFit/>
+          </a:bodyPr>
+          <a:lstStyle/>
+          <a:p>
+            <a:r>
+              <a:rPr lang="ko-KR" altLang="en-US" sz="1600" dirty="0">
+                <a:solidFill>
+                  <a:schemeClr val="bg1">
+                    <a:lumMod val="50000"/>
+                    <a:lumOff val="50000"/>
+                  </a:schemeClr>
+                </a:solidFill>
+              </a:rPr>
+              <a:t>(</a:t>
+            </a:r>
+            <a:r>
+              <a:rPr lang="ko-KR" altLang="en-US" sz="1600" dirty="0" err="1">
+                <a:solidFill>
+                  <a:schemeClr val="bg1">
+                    <a:lumMod val="50000"/>
+                    <a:lumOff val="50000"/>
+                  </a:schemeClr>
+                </a:solidFill>
+              </a:rPr>
+              <a:t>This</a:t>
+            </a:r>
+            <a:r>
+              <a:rPr lang="ko-KR" altLang="en-US" sz="1600" dirty="0">
+                <a:solidFill>
+                  <a:schemeClr val="bg1">
+                    <a:lumMod val="50000"/>
+                    <a:lumOff val="50000"/>
+                  </a:schemeClr>
+                </a:solidFill>
+              </a:rPr>
+              <a:t> </a:t>
+            </a:r>
+            <a:r>
+              <a:rPr lang="ko-KR" altLang="en-US" sz="1600" dirty="0" err="1">
+                <a:solidFill>
+                  <a:schemeClr val="bg1">
+                    <a:lumMod val="50000"/>
+                    <a:lumOff val="50000"/>
+                  </a:schemeClr>
+                </a:solidFill>
+              </a:rPr>
+              <a:t>is</a:t>
+            </a:r>
+            <a:r>
+              <a:rPr lang="ko-KR" altLang="en-US" sz="1600" dirty="0">
+                <a:solidFill>
+                  <a:schemeClr val="bg1">
+                    <a:lumMod val="50000"/>
+                    <a:lumOff val="50000"/>
+                  </a:schemeClr>
+                </a:solidFill>
+              </a:rPr>
+              <a:t> </a:t>
+            </a:r>
+            <a:r>
+              <a:rPr lang="ko-KR" altLang="en-US" sz="1600" dirty="0" err="1">
+                <a:solidFill>
+                  <a:schemeClr val="bg1">
+                    <a:lumMod val="50000"/>
+                    <a:lumOff val="50000"/>
+                  </a:schemeClr>
+                </a:solidFill>
+              </a:rPr>
+              <a:t>just</a:t>
+            </a:r>
+            <a:r>
+              <a:rPr lang="ko-KR" altLang="en-US" sz="1600" dirty="0">
+                <a:solidFill>
+                  <a:schemeClr val="bg1">
+                    <a:lumMod val="50000"/>
+                    <a:lumOff val="50000"/>
+                  </a:schemeClr>
+                </a:solidFill>
+              </a:rPr>
+              <a:t> </a:t>
+            </a:r>
+            <a:r>
+              <a:rPr lang="ko-KR" altLang="en-US" sz="1600" dirty="0" err="1">
+                <a:solidFill>
+                  <a:schemeClr val="bg1">
+                    <a:lumMod val="50000"/>
+                    <a:lumOff val="50000"/>
+                  </a:schemeClr>
+                </a:solidFill>
+              </a:rPr>
+              <a:t>example</a:t>
+            </a:r>
+            <a:r>
+              <a:rPr lang="ko-KR" altLang="en-US" sz="1600" dirty="0">
+                <a:solidFill>
+                  <a:schemeClr val="bg1">
+                    <a:lumMod val="50000"/>
+                    <a:lumOff val="50000"/>
+                  </a:schemeClr>
+                </a:solidFill>
+              </a:rPr>
+              <a:t>. </a:t>
+            </a:r>
+            <a:r>
+              <a:rPr lang="ko-KR" altLang="en-US" sz="1600" dirty="0" err="1">
+                <a:solidFill>
+                  <a:schemeClr val="bg1">
+                    <a:lumMod val="50000"/>
+                    <a:lumOff val="50000"/>
+                  </a:schemeClr>
+                </a:solidFill>
+              </a:rPr>
+              <a:t>It</a:t>
+            </a:r>
+            <a:r>
+              <a:rPr lang="ko-KR" altLang="en-US" sz="1600" dirty="0">
+                <a:solidFill>
+                  <a:schemeClr val="bg1">
+                    <a:lumMod val="50000"/>
+                    <a:lumOff val="50000"/>
+                  </a:schemeClr>
+                </a:solidFill>
+              </a:rPr>
+              <a:t> </a:t>
+            </a:r>
+            <a:r>
+              <a:rPr lang="ko-KR" altLang="en-US" sz="1600" dirty="0" err="1">
+                <a:solidFill>
+                  <a:schemeClr val="bg1">
+                    <a:lumMod val="50000"/>
+                    <a:lumOff val="50000"/>
+                  </a:schemeClr>
+                </a:solidFill>
+              </a:rPr>
+              <a:t>may</a:t>
+            </a:r>
+            <a:r>
+              <a:rPr lang="ko-KR" altLang="en-US" sz="1600" dirty="0">
+                <a:solidFill>
+                  <a:schemeClr val="bg1">
+                    <a:lumMod val="50000"/>
+                    <a:lumOff val="50000"/>
+                  </a:schemeClr>
+                </a:solidFill>
+              </a:rPr>
+              <a:t> </a:t>
+            </a:r>
+            <a:r>
+              <a:rPr lang="ko-KR" altLang="en-US" sz="1600" dirty="0" err="1">
+                <a:solidFill>
+                  <a:schemeClr val="bg1">
+                    <a:lumMod val="50000"/>
+                    <a:lumOff val="50000"/>
+                  </a:schemeClr>
+                </a:solidFill>
+              </a:rPr>
+              <a:t>differ</a:t>
+            </a:r>
+            <a:r>
+              <a:rPr lang="ko-KR" altLang="en-US" sz="1600" dirty="0">
+                <a:solidFill>
+                  <a:schemeClr val="bg1">
+                    <a:lumMod val="50000"/>
+                    <a:lumOff val="50000"/>
+                  </a:schemeClr>
+                </a:solidFill>
+              </a:rPr>
+              <a:t> </a:t>
+            </a:r>
+            <a:r>
+              <a:rPr lang="ko-KR" altLang="en-US" sz="1600" dirty="0" err="1">
+                <a:solidFill>
+                  <a:schemeClr val="bg1">
+                    <a:lumMod val="50000"/>
+                    <a:lumOff val="50000"/>
+                  </a:schemeClr>
+                </a:solidFill>
+              </a:rPr>
+              <a:t>from</a:t>
+            </a:r>
+            <a:r>
+              <a:rPr lang="ko-KR" altLang="en-US" sz="1600" dirty="0">
+                <a:solidFill>
+                  <a:schemeClr val="bg1">
+                    <a:lumMod val="50000"/>
+                    <a:lumOff val="50000"/>
+                  </a:schemeClr>
+                </a:solidFill>
+              </a:rPr>
+              <a:t> </a:t>
+            </a:r>
+            <a:r>
+              <a:rPr lang="ko-KR" altLang="en-US" sz="1600" dirty="0" err="1">
+                <a:solidFill>
+                  <a:schemeClr val="bg1">
+                    <a:lumMod val="50000"/>
+                    <a:lumOff val="50000"/>
+                  </a:schemeClr>
+                </a:solidFill>
+              </a:rPr>
+              <a:t>the</a:t>
+            </a:r>
+            <a:r>
+              <a:rPr lang="ko-KR" altLang="en-US" sz="1600" dirty="0">
+                <a:solidFill>
+                  <a:schemeClr val="bg1">
+                    <a:lumMod val="50000"/>
+                    <a:lumOff val="50000"/>
+                  </a:schemeClr>
+                </a:solidFill>
+              </a:rPr>
+              <a:t> </a:t>
+            </a:r>
+            <a:r>
+              <a:rPr lang="ko-KR" altLang="en-US" sz="1600" dirty="0" err="1">
+                <a:solidFill>
+                  <a:schemeClr val="bg1">
+                    <a:lumMod val="50000"/>
+                    <a:lumOff val="50000"/>
+                  </a:schemeClr>
+                </a:solidFill>
+              </a:rPr>
+              <a:t>actual</a:t>
+            </a:r>
+            <a:r>
+              <a:rPr lang="ko-KR" altLang="en-US" sz="1600" dirty="0">
+                <a:solidFill>
+                  <a:schemeClr val="bg1">
+                    <a:lumMod val="50000"/>
+                    <a:lumOff val="50000"/>
+                  </a:schemeClr>
+                </a:solidFill>
+              </a:rPr>
+              <a:t>.)</a:t>
+            </a:r>
+          </a:p>
+        </p:txBody>
+      </p:sp>
     </p:spTree>
     <p:extLst>
       <p:ext uri="{BB962C8B-B14F-4D97-AF65-F5344CB8AC3E}">
@@ -5408,13 +5670,13 @@
   <p:clrMapOvr>
     <a:masterClrMapping/>
   </p:clrMapOvr>
-  <mc:AlternateContent xmlns:mc="http://schemas.openxmlformats.org/markup-compatibility/2006">
-    <mc:Choice xmlns:p159="http://schemas.microsoft.com/office/powerpoint/2015/09/main" Requires="p159">
+  <mc:AlternateContent xmlns:mc="http://schemas.openxmlformats.org/markup-compatibility/2006" xmlns:p159="http://schemas.microsoft.com/office/powerpoint/2015/09/main">
+    <mc:Choice Requires="p159">
       <p:transition xmlns:p14="http://schemas.microsoft.com/office/powerpoint/2010/main" spd="slow" p14:dur="2000">
         <p159:morph option="byObject"/>
       </p:transition>
     </mc:Choice>
-    <mc:Fallback>
+    <mc:Fallback xmlns="">
       <p:transition spd="slow">
         <p:fade/>
       </p:transition>
@@ -6777,6 +7039,268 @@
           </a:p>
         </p:txBody>
       </p:sp>
+      <p:sp>
+        <p:nvSpPr>
+          <p:cNvPr id="48" name="TextBox 47">
+            <a:extLst>
+              <a:ext uri="{FF2B5EF4-FFF2-40B4-BE49-F238E27FC236}">
+                <a16:creationId xmlns:a16="http://schemas.microsoft.com/office/drawing/2014/main" id="{A590A903-45E6-4BC9-92A6-C9F3010B6E1E}"/>
+              </a:ext>
+            </a:extLst>
+          </p:cNvPr>
+          <p:cNvSpPr txBox="1"/>
+          <p:nvPr/>
+        </p:nvSpPr>
+        <p:spPr>
+          <a:xfrm>
+            <a:off x="3264946" y="1347931"/>
+            <a:ext cx="6096000" cy="338554"/>
+          </a:xfrm>
+          <a:prstGeom prst="rect">
+            <a:avLst/>
+          </a:prstGeom>
+          <a:noFill/>
+        </p:spPr>
+        <p:txBody>
+          <a:bodyPr wrap="square">
+            <a:spAutoFit/>
+          </a:bodyPr>
+          <a:lstStyle/>
+          <a:p>
+            <a:r>
+              <a:rPr lang="ko-KR" altLang="en-US" sz="1600" dirty="0">
+                <a:solidFill>
+                  <a:schemeClr val="bg1">
+                    <a:lumMod val="50000"/>
+                    <a:lumOff val="50000"/>
+                  </a:schemeClr>
+                </a:solidFill>
+              </a:rPr>
+              <a:t>(</a:t>
+            </a:r>
+            <a:r>
+              <a:rPr lang="ko-KR" altLang="en-US" sz="1600" dirty="0" err="1">
+                <a:solidFill>
+                  <a:schemeClr val="bg1">
+                    <a:lumMod val="50000"/>
+                    <a:lumOff val="50000"/>
+                  </a:schemeClr>
+                </a:solidFill>
+              </a:rPr>
+              <a:t>This</a:t>
+            </a:r>
+            <a:r>
+              <a:rPr lang="ko-KR" altLang="en-US" sz="1600" dirty="0">
+                <a:solidFill>
+                  <a:schemeClr val="bg1">
+                    <a:lumMod val="50000"/>
+                    <a:lumOff val="50000"/>
+                  </a:schemeClr>
+                </a:solidFill>
+              </a:rPr>
+              <a:t> </a:t>
+            </a:r>
+            <a:r>
+              <a:rPr lang="ko-KR" altLang="en-US" sz="1600" dirty="0" err="1">
+                <a:solidFill>
+                  <a:schemeClr val="bg1">
+                    <a:lumMod val="50000"/>
+                    <a:lumOff val="50000"/>
+                  </a:schemeClr>
+                </a:solidFill>
+              </a:rPr>
+              <a:t>is</a:t>
+            </a:r>
+            <a:r>
+              <a:rPr lang="ko-KR" altLang="en-US" sz="1600" dirty="0">
+                <a:solidFill>
+                  <a:schemeClr val="bg1">
+                    <a:lumMod val="50000"/>
+                    <a:lumOff val="50000"/>
+                  </a:schemeClr>
+                </a:solidFill>
+              </a:rPr>
+              <a:t> </a:t>
+            </a:r>
+            <a:r>
+              <a:rPr lang="ko-KR" altLang="en-US" sz="1600" dirty="0" err="1">
+                <a:solidFill>
+                  <a:schemeClr val="bg1">
+                    <a:lumMod val="50000"/>
+                    <a:lumOff val="50000"/>
+                  </a:schemeClr>
+                </a:solidFill>
+              </a:rPr>
+              <a:t>just</a:t>
+            </a:r>
+            <a:r>
+              <a:rPr lang="ko-KR" altLang="en-US" sz="1600" dirty="0">
+                <a:solidFill>
+                  <a:schemeClr val="bg1">
+                    <a:lumMod val="50000"/>
+                    <a:lumOff val="50000"/>
+                  </a:schemeClr>
+                </a:solidFill>
+              </a:rPr>
+              <a:t> </a:t>
+            </a:r>
+            <a:r>
+              <a:rPr lang="ko-KR" altLang="en-US" sz="1600" dirty="0" err="1">
+                <a:solidFill>
+                  <a:schemeClr val="bg1">
+                    <a:lumMod val="50000"/>
+                    <a:lumOff val="50000"/>
+                  </a:schemeClr>
+                </a:solidFill>
+              </a:rPr>
+              <a:t>example</a:t>
+            </a:r>
+            <a:r>
+              <a:rPr lang="ko-KR" altLang="en-US" sz="1600" dirty="0">
+                <a:solidFill>
+                  <a:schemeClr val="bg1">
+                    <a:lumMod val="50000"/>
+                    <a:lumOff val="50000"/>
+                  </a:schemeClr>
+                </a:solidFill>
+              </a:rPr>
+              <a:t>. </a:t>
+            </a:r>
+            <a:r>
+              <a:rPr lang="ko-KR" altLang="en-US" sz="1600" dirty="0" err="1">
+                <a:solidFill>
+                  <a:schemeClr val="bg1">
+                    <a:lumMod val="50000"/>
+                    <a:lumOff val="50000"/>
+                  </a:schemeClr>
+                </a:solidFill>
+              </a:rPr>
+              <a:t>It</a:t>
+            </a:r>
+            <a:r>
+              <a:rPr lang="ko-KR" altLang="en-US" sz="1600" dirty="0">
+                <a:solidFill>
+                  <a:schemeClr val="bg1">
+                    <a:lumMod val="50000"/>
+                    <a:lumOff val="50000"/>
+                  </a:schemeClr>
+                </a:solidFill>
+              </a:rPr>
+              <a:t> </a:t>
+            </a:r>
+            <a:r>
+              <a:rPr lang="ko-KR" altLang="en-US" sz="1600" dirty="0" err="1">
+                <a:solidFill>
+                  <a:schemeClr val="bg1">
+                    <a:lumMod val="50000"/>
+                    <a:lumOff val="50000"/>
+                  </a:schemeClr>
+                </a:solidFill>
+              </a:rPr>
+              <a:t>may</a:t>
+            </a:r>
+            <a:r>
+              <a:rPr lang="ko-KR" altLang="en-US" sz="1600" dirty="0">
+                <a:solidFill>
+                  <a:schemeClr val="bg1">
+                    <a:lumMod val="50000"/>
+                    <a:lumOff val="50000"/>
+                  </a:schemeClr>
+                </a:solidFill>
+              </a:rPr>
+              <a:t> </a:t>
+            </a:r>
+            <a:r>
+              <a:rPr lang="ko-KR" altLang="en-US" sz="1600" dirty="0" err="1">
+                <a:solidFill>
+                  <a:schemeClr val="bg1">
+                    <a:lumMod val="50000"/>
+                    <a:lumOff val="50000"/>
+                  </a:schemeClr>
+                </a:solidFill>
+              </a:rPr>
+              <a:t>differ</a:t>
+            </a:r>
+            <a:r>
+              <a:rPr lang="ko-KR" altLang="en-US" sz="1600" dirty="0">
+                <a:solidFill>
+                  <a:schemeClr val="bg1">
+                    <a:lumMod val="50000"/>
+                    <a:lumOff val="50000"/>
+                  </a:schemeClr>
+                </a:solidFill>
+              </a:rPr>
+              <a:t> </a:t>
+            </a:r>
+            <a:r>
+              <a:rPr lang="ko-KR" altLang="en-US" sz="1600" dirty="0" err="1">
+                <a:solidFill>
+                  <a:schemeClr val="bg1">
+                    <a:lumMod val="50000"/>
+                    <a:lumOff val="50000"/>
+                  </a:schemeClr>
+                </a:solidFill>
+              </a:rPr>
+              <a:t>from</a:t>
+            </a:r>
+            <a:r>
+              <a:rPr lang="ko-KR" altLang="en-US" sz="1600" dirty="0">
+                <a:solidFill>
+                  <a:schemeClr val="bg1">
+                    <a:lumMod val="50000"/>
+                    <a:lumOff val="50000"/>
+                  </a:schemeClr>
+                </a:solidFill>
+              </a:rPr>
+              <a:t> </a:t>
+            </a:r>
+            <a:r>
+              <a:rPr lang="ko-KR" altLang="en-US" sz="1600" dirty="0" err="1">
+                <a:solidFill>
+                  <a:schemeClr val="bg1">
+                    <a:lumMod val="50000"/>
+                    <a:lumOff val="50000"/>
+                  </a:schemeClr>
+                </a:solidFill>
+              </a:rPr>
+              <a:t>the</a:t>
+            </a:r>
+            <a:r>
+              <a:rPr lang="ko-KR" altLang="en-US" sz="1600" dirty="0">
+                <a:solidFill>
+                  <a:schemeClr val="bg1">
+                    <a:lumMod val="50000"/>
+                    <a:lumOff val="50000"/>
+                  </a:schemeClr>
+                </a:solidFill>
+              </a:rPr>
+              <a:t> </a:t>
+            </a:r>
+            <a:r>
+              <a:rPr lang="ko-KR" altLang="en-US" sz="1600" dirty="0" err="1">
+                <a:solidFill>
+                  <a:schemeClr val="bg1">
+                    <a:lumMod val="50000"/>
+                    <a:lumOff val="50000"/>
+                  </a:schemeClr>
+                </a:solidFill>
+              </a:rPr>
+              <a:t>actual</a:t>
+            </a:r>
+            <a:r>
+              <a:rPr lang="ko-KR" altLang="en-US" sz="1600" dirty="0">
+                <a:solidFill>
+                  <a:schemeClr val="bg1">
+                    <a:lumMod val="50000"/>
+                    <a:lumOff val="50000"/>
+                  </a:schemeClr>
+                </a:solidFill>
+              </a:rPr>
+              <a:t>.)</a:t>
+            </a:r>
+          </a:p>
+        </p:txBody>
+      </p:sp>
     </p:spTree>
     <p:extLst>
       <p:ext uri="{BB962C8B-B14F-4D97-AF65-F5344CB8AC3E}">
@@ -6787,13 +7311,13 @@
   <p:clrMapOvr>
     <a:masterClrMapping/>
   </p:clrMapOvr>
-  <mc:AlternateContent xmlns:mc="http://schemas.openxmlformats.org/markup-compatibility/2006">
-    <mc:Choice xmlns:p159="http://schemas.microsoft.com/office/powerpoint/2015/09/main" Requires="p159">
+  <mc:AlternateContent xmlns:mc="http://schemas.openxmlformats.org/markup-compatibility/2006" xmlns:p159="http://schemas.microsoft.com/office/powerpoint/2015/09/main">
+    <mc:Choice Requires="p159">
       <p:transition xmlns:p14="http://schemas.microsoft.com/office/powerpoint/2010/main" spd="slow" p14:dur="2000">
         <p159:morph option="byObject"/>
       </p:transition>
     </mc:Choice>
-    <mc:Fallback>
+    <mc:Fallback xmlns="">
       <p:transition spd="slow">
         <p:fade/>
       </p:transition>
@@ -8176,6 +8700,268 @@
           </a:p>
         </p:txBody>
       </p:sp>
+      <p:sp>
+        <p:nvSpPr>
+          <p:cNvPr id="42" name="TextBox 41">
+            <a:extLst>
+              <a:ext uri="{FF2B5EF4-FFF2-40B4-BE49-F238E27FC236}">
+                <a16:creationId xmlns:a16="http://schemas.microsoft.com/office/drawing/2014/main" id="{3BDA8F69-C340-4BB1-9CF9-8214BAFE8123}"/>
+              </a:ext>
+            </a:extLst>
+          </p:cNvPr>
+          <p:cNvSpPr txBox="1"/>
+          <p:nvPr/>
+        </p:nvSpPr>
+        <p:spPr>
+          <a:xfrm>
+            <a:off x="3264946" y="1347931"/>
+            <a:ext cx="6096000" cy="338554"/>
+          </a:xfrm>
+          <a:prstGeom prst="rect">
+            <a:avLst/>
+          </a:prstGeom>
+          <a:noFill/>
+        </p:spPr>
+        <p:txBody>
+          <a:bodyPr wrap="square">
+            <a:spAutoFit/>
+          </a:bodyPr>
+          <a:lstStyle/>
+          <a:p>
+            <a:r>
+              <a:rPr lang="ko-KR" altLang="en-US" sz="1600" dirty="0">
+                <a:solidFill>
+                  <a:schemeClr val="bg1">
+                    <a:lumMod val="50000"/>
+                    <a:lumOff val="50000"/>
+                  </a:schemeClr>
+                </a:solidFill>
+              </a:rPr>
+              <a:t>(</a:t>
+            </a:r>
+            <a:r>
+              <a:rPr lang="ko-KR" altLang="en-US" sz="1600" dirty="0" err="1">
+                <a:solidFill>
+                  <a:schemeClr val="bg1">
+                    <a:lumMod val="50000"/>
+                    <a:lumOff val="50000"/>
+                  </a:schemeClr>
+                </a:solidFill>
+              </a:rPr>
+              <a:t>This</a:t>
+            </a:r>
+            <a:r>
+              <a:rPr lang="ko-KR" altLang="en-US" sz="1600" dirty="0">
+                <a:solidFill>
+                  <a:schemeClr val="bg1">
+                    <a:lumMod val="50000"/>
+                    <a:lumOff val="50000"/>
+                  </a:schemeClr>
+                </a:solidFill>
+              </a:rPr>
+              <a:t> </a:t>
+            </a:r>
+            <a:r>
+              <a:rPr lang="ko-KR" altLang="en-US" sz="1600" dirty="0" err="1">
+                <a:solidFill>
+                  <a:schemeClr val="bg1">
+                    <a:lumMod val="50000"/>
+                    <a:lumOff val="50000"/>
+                  </a:schemeClr>
+                </a:solidFill>
+              </a:rPr>
+              <a:t>is</a:t>
+            </a:r>
+            <a:r>
+              <a:rPr lang="ko-KR" altLang="en-US" sz="1600" dirty="0">
+                <a:solidFill>
+                  <a:schemeClr val="bg1">
+                    <a:lumMod val="50000"/>
+                    <a:lumOff val="50000"/>
+                  </a:schemeClr>
+                </a:solidFill>
+              </a:rPr>
+              <a:t> </a:t>
+            </a:r>
+            <a:r>
+              <a:rPr lang="ko-KR" altLang="en-US" sz="1600" dirty="0" err="1">
+                <a:solidFill>
+                  <a:schemeClr val="bg1">
+                    <a:lumMod val="50000"/>
+                    <a:lumOff val="50000"/>
+                  </a:schemeClr>
+                </a:solidFill>
+              </a:rPr>
+              <a:t>just</a:t>
+            </a:r>
+            <a:r>
+              <a:rPr lang="ko-KR" altLang="en-US" sz="1600" dirty="0">
+                <a:solidFill>
+                  <a:schemeClr val="bg1">
+                    <a:lumMod val="50000"/>
+                    <a:lumOff val="50000"/>
+                  </a:schemeClr>
+                </a:solidFill>
+              </a:rPr>
+              <a:t> </a:t>
+            </a:r>
+            <a:r>
+              <a:rPr lang="ko-KR" altLang="en-US" sz="1600" dirty="0" err="1">
+                <a:solidFill>
+                  <a:schemeClr val="bg1">
+                    <a:lumMod val="50000"/>
+                    <a:lumOff val="50000"/>
+                  </a:schemeClr>
+                </a:solidFill>
+              </a:rPr>
+              <a:t>example</a:t>
+            </a:r>
+            <a:r>
+              <a:rPr lang="ko-KR" altLang="en-US" sz="1600" dirty="0">
+                <a:solidFill>
+                  <a:schemeClr val="bg1">
+                    <a:lumMod val="50000"/>
+                    <a:lumOff val="50000"/>
+                  </a:schemeClr>
+                </a:solidFill>
+              </a:rPr>
+              <a:t>. </a:t>
+            </a:r>
+            <a:r>
+              <a:rPr lang="ko-KR" altLang="en-US" sz="1600" dirty="0" err="1">
+                <a:solidFill>
+                  <a:schemeClr val="bg1">
+                    <a:lumMod val="50000"/>
+                    <a:lumOff val="50000"/>
+                  </a:schemeClr>
+                </a:solidFill>
+              </a:rPr>
+              <a:t>It</a:t>
+            </a:r>
+            <a:r>
+              <a:rPr lang="ko-KR" altLang="en-US" sz="1600" dirty="0">
+                <a:solidFill>
+                  <a:schemeClr val="bg1">
+                    <a:lumMod val="50000"/>
+                    <a:lumOff val="50000"/>
+                  </a:schemeClr>
+                </a:solidFill>
+              </a:rPr>
+              <a:t> </a:t>
+            </a:r>
+            <a:r>
+              <a:rPr lang="ko-KR" altLang="en-US" sz="1600" dirty="0" err="1">
+                <a:solidFill>
+                  <a:schemeClr val="bg1">
+                    <a:lumMod val="50000"/>
+                    <a:lumOff val="50000"/>
+                  </a:schemeClr>
+                </a:solidFill>
+              </a:rPr>
+              <a:t>may</a:t>
+            </a:r>
+            <a:r>
+              <a:rPr lang="ko-KR" altLang="en-US" sz="1600" dirty="0">
+                <a:solidFill>
+                  <a:schemeClr val="bg1">
+                    <a:lumMod val="50000"/>
+                    <a:lumOff val="50000"/>
+                  </a:schemeClr>
+                </a:solidFill>
+              </a:rPr>
+              <a:t> </a:t>
+            </a:r>
+            <a:r>
+              <a:rPr lang="ko-KR" altLang="en-US" sz="1600" dirty="0" err="1">
+                <a:solidFill>
+                  <a:schemeClr val="bg1">
+                    <a:lumMod val="50000"/>
+                    <a:lumOff val="50000"/>
+                  </a:schemeClr>
+                </a:solidFill>
+              </a:rPr>
+              <a:t>differ</a:t>
+            </a:r>
+            <a:r>
+              <a:rPr lang="ko-KR" altLang="en-US" sz="1600" dirty="0">
+                <a:solidFill>
+                  <a:schemeClr val="bg1">
+                    <a:lumMod val="50000"/>
+                    <a:lumOff val="50000"/>
+                  </a:schemeClr>
+                </a:solidFill>
+              </a:rPr>
+              <a:t> </a:t>
+            </a:r>
+            <a:r>
+              <a:rPr lang="ko-KR" altLang="en-US" sz="1600" dirty="0" err="1">
+                <a:solidFill>
+                  <a:schemeClr val="bg1">
+                    <a:lumMod val="50000"/>
+                    <a:lumOff val="50000"/>
+                  </a:schemeClr>
+                </a:solidFill>
+              </a:rPr>
+              <a:t>from</a:t>
+            </a:r>
+            <a:r>
+              <a:rPr lang="ko-KR" altLang="en-US" sz="1600" dirty="0">
+                <a:solidFill>
+                  <a:schemeClr val="bg1">
+                    <a:lumMod val="50000"/>
+                    <a:lumOff val="50000"/>
+                  </a:schemeClr>
+                </a:solidFill>
+              </a:rPr>
+              <a:t> </a:t>
+            </a:r>
+            <a:r>
+              <a:rPr lang="ko-KR" altLang="en-US" sz="1600" dirty="0" err="1">
+                <a:solidFill>
+                  <a:schemeClr val="bg1">
+                    <a:lumMod val="50000"/>
+                    <a:lumOff val="50000"/>
+                  </a:schemeClr>
+                </a:solidFill>
+              </a:rPr>
+              <a:t>the</a:t>
+            </a:r>
+            <a:r>
+              <a:rPr lang="ko-KR" altLang="en-US" sz="1600" dirty="0">
+                <a:solidFill>
+                  <a:schemeClr val="bg1">
+                    <a:lumMod val="50000"/>
+                    <a:lumOff val="50000"/>
+                  </a:schemeClr>
+                </a:solidFill>
+              </a:rPr>
+              <a:t> </a:t>
+            </a:r>
+            <a:r>
+              <a:rPr lang="ko-KR" altLang="en-US" sz="1600" dirty="0" err="1">
+                <a:solidFill>
+                  <a:schemeClr val="bg1">
+                    <a:lumMod val="50000"/>
+                    <a:lumOff val="50000"/>
+                  </a:schemeClr>
+                </a:solidFill>
+              </a:rPr>
+              <a:t>actual</a:t>
+            </a:r>
+            <a:r>
+              <a:rPr lang="ko-KR" altLang="en-US" sz="1600" dirty="0">
+                <a:solidFill>
+                  <a:schemeClr val="bg1">
+                    <a:lumMod val="50000"/>
+                    <a:lumOff val="50000"/>
+                  </a:schemeClr>
+                </a:solidFill>
+              </a:rPr>
+              <a:t>.)</a:t>
+            </a:r>
+          </a:p>
+        </p:txBody>
+      </p:sp>
     </p:spTree>
     <p:extLst>
       <p:ext uri="{BB962C8B-B14F-4D97-AF65-F5344CB8AC3E}">
@@ -8186,13 +8972,13 @@
   <p:clrMapOvr>
     <a:masterClrMapping/>
   </p:clrMapOvr>
-  <mc:AlternateContent xmlns:mc="http://schemas.openxmlformats.org/markup-compatibility/2006">
-    <mc:Choice xmlns:p159="http://schemas.microsoft.com/office/powerpoint/2015/09/main" Requires="p159">
+  <mc:AlternateContent xmlns:mc="http://schemas.openxmlformats.org/markup-compatibility/2006" xmlns:p159="http://schemas.microsoft.com/office/powerpoint/2015/09/main">
+    <mc:Choice Requires="p159">
       <p:transition xmlns:p14="http://schemas.microsoft.com/office/powerpoint/2010/main" spd="slow" p14:dur="2000">
         <p159:morph option="byObject"/>
       </p:transition>
     </mc:Choice>
-    <mc:Fallback>
+    <mc:Fallback xmlns="">
       <p:transition spd="slow">
         <p:fade/>
       </p:transition>
@@ -8694,6 +9480,60 @@
           </a:p>
         </p:txBody>
       </p:sp>
+      <p:sp>
+        <p:nvSpPr>
+          <p:cNvPr id="5" name="TextBox 4">
+            <a:extLst>
+              <a:ext uri="{FF2B5EF4-FFF2-40B4-BE49-F238E27FC236}">
+                <a16:creationId xmlns:a16="http://schemas.microsoft.com/office/drawing/2014/main" id="{190DCE43-AD94-4F26-8861-170488EB3450}"/>
+              </a:ext>
+            </a:extLst>
+          </p:cNvPr>
+          <p:cNvSpPr txBox="1"/>
+          <p:nvPr/>
+        </p:nvSpPr>
+        <p:spPr>
+          <a:xfrm>
+            <a:off x="296881" y="6253794"/>
+            <a:ext cx="6096000" cy="338554"/>
+          </a:xfrm>
+          <a:prstGeom prst="rect">
+            <a:avLst/>
+          </a:prstGeom>
+          <a:noFill/>
+        </p:spPr>
+        <p:txBody>
+          <a:bodyPr wrap="square">
+            <a:spAutoFit/>
+          </a:bodyPr>
+          <a:lstStyle/>
+          <a:p>
+            <a:r>
+              <a:rPr lang="en-US" altLang="ko-KR" sz="1600" dirty="0">
+                <a:solidFill>
+                  <a:schemeClr val="bg1">
+                    <a:lumMod val="50000"/>
+                    <a:lumOff val="50000"/>
+                  </a:schemeClr>
+                </a:solidFill>
+                <a:latin typeface="배달의민족 도현" panose="020B0600000101010101" pitchFamily="50" charset="-127"/>
+                <a:ea typeface="배달의민족 도현" panose="020B0600000101010101" pitchFamily="50" charset="-127"/>
+              </a:rPr>
+              <a:t>Image Source : Hackers (Android)</a:t>
+            </a:r>
+            <a:endParaRPr lang="ko-KR" altLang="en-US" sz="1600" dirty="0">
+              <a:solidFill>
+                <a:schemeClr val="bg1">
+                  <a:lumMod val="50000"/>
+                  <a:lumOff val="50000"/>
+                </a:schemeClr>
+              </a:solidFill>
+              <a:latin typeface="배달의민족 도현" panose="020B0600000101010101" pitchFamily="50" charset="-127"/>
+              <a:ea typeface="배달의민족 도현" panose="020B0600000101010101" pitchFamily="50" charset="-127"/>
+            </a:endParaRPr>
+          </a:p>
+        </p:txBody>
+      </p:sp>
     </p:spTree>
     <p:extLst>
       <p:ext uri="{BB962C8B-B14F-4D97-AF65-F5344CB8AC3E}">
@@ -8704,13 +9544,13 @@
   <p:clrMapOvr>
     <a:masterClrMapping/>
   </p:clrMapOvr>
-  <mc:AlternateContent xmlns:mc="http://schemas.openxmlformats.org/markup-compatibility/2006">
-    <mc:Choice xmlns:p159="http://schemas.microsoft.com/office/powerpoint/2015/09/main" Requires="p159">
+  <mc:AlternateContent xmlns:mc="http://schemas.openxmlformats.org/markup-compatibility/2006" xmlns:p159="http://schemas.microsoft.com/office/powerpoint/2015/09/main">
+    <mc:Choice Requires="p159">
       <p:transition xmlns:p14="http://schemas.microsoft.com/office/powerpoint/2010/main" spd="slow" p14:dur="2000">
         <p159:morph option="byObject"/>
       </p:transition>
     </mc:Choice>
-    <mc:Fallback>
+    <mc:Fallback xmlns="">
       <p:transition spd="slow">
         <p:fade/>
       </p:transition>
@@ -15090,6 +15930,268 @@
           </a:p>
         </p:txBody>
       </p:sp>
+      <p:sp>
+        <p:nvSpPr>
+          <p:cNvPr id="27" name="TextBox 26">
+            <a:extLst>
+              <a:ext uri="{FF2B5EF4-FFF2-40B4-BE49-F238E27FC236}">
+                <a16:creationId xmlns:a16="http://schemas.microsoft.com/office/drawing/2014/main" id="{0F9BA306-AA58-4F3F-B7AC-2205D43A7414}"/>
+              </a:ext>
+            </a:extLst>
+          </p:cNvPr>
+          <p:cNvSpPr txBox="1"/>
+          <p:nvPr/>
+        </p:nvSpPr>
+        <p:spPr>
+          <a:xfrm>
+            <a:off x="3264946" y="1347931"/>
+            <a:ext cx="6096000" cy="338554"/>
+          </a:xfrm>
+          <a:prstGeom prst="rect">
+            <a:avLst/>
+          </a:prstGeom>
+          <a:noFill/>
+        </p:spPr>
+        <p:txBody>
+          <a:bodyPr wrap="square">
+            <a:spAutoFit/>
+          </a:bodyPr>
+          <a:lstStyle/>
+          <a:p>
+            <a:r>
+              <a:rPr lang="ko-KR" altLang="en-US" sz="1600" dirty="0">
+                <a:solidFill>
+                  <a:schemeClr val="bg1">
+                    <a:lumMod val="50000"/>
+                    <a:lumOff val="50000"/>
+                  </a:schemeClr>
+                </a:solidFill>
+              </a:rPr>
+              <a:t>(</a:t>
+            </a:r>
+            <a:r>
+              <a:rPr lang="ko-KR" altLang="en-US" sz="1600" dirty="0" err="1">
+                <a:solidFill>
+                  <a:schemeClr val="bg1">
+                    <a:lumMod val="50000"/>
+                    <a:lumOff val="50000"/>
+                  </a:schemeClr>
+                </a:solidFill>
+              </a:rPr>
+              <a:t>This</a:t>
+            </a:r>
+            <a:r>
+              <a:rPr lang="ko-KR" altLang="en-US" sz="1600" dirty="0">
+                <a:solidFill>
+                  <a:schemeClr val="bg1">
+                    <a:lumMod val="50000"/>
+                    <a:lumOff val="50000"/>
+                  </a:schemeClr>
+                </a:solidFill>
+              </a:rPr>
+              <a:t> </a:t>
+            </a:r>
+            <a:r>
+              <a:rPr lang="ko-KR" altLang="en-US" sz="1600" dirty="0" err="1">
+                <a:solidFill>
+                  <a:schemeClr val="bg1">
+                    <a:lumMod val="50000"/>
+                    <a:lumOff val="50000"/>
+                  </a:schemeClr>
+                </a:solidFill>
+              </a:rPr>
+              <a:t>is</a:t>
+            </a:r>
+            <a:r>
+              <a:rPr lang="ko-KR" altLang="en-US" sz="1600" dirty="0">
+                <a:solidFill>
+                  <a:schemeClr val="bg1">
+                    <a:lumMod val="50000"/>
+                    <a:lumOff val="50000"/>
+                  </a:schemeClr>
+                </a:solidFill>
+              </a:rPr>
+              <a:t> </a:t>
+            </a:r>
+            <a:r>
+              <a:rPr lang="ko-KR" altLang="en-US" sz="1600" dirty="0" err="1">
+                <a:solidFill>
+                  <a:schemeClr val="bg1">
+                    <a:lumMod val="50000"/>
+                    <a:lumOff val="50000"/>
+                  </a:schemeClr>
+                </a:solidFill>
+              </a:rPr>
+              <a:t>just</a:t>
+            </a:r>
+            <a:r>
+              <a:rPr lang="ko-KR" altLang="en-US" sz="1600" dirty="0">
+                <a:solidFill>
+                  <a:schemeClr val="bg1">
+                    <a:lumMod val="50000"/>
+                    <a:lumOff val="50000"/>
+                  </a:schemeClr>
+                </a:solidFill>
+              </a:rPr>
+              <a:t> </a:t>
+            </a:r>
+            <a:r>
+              <a:rPr lang="ko-KR" altLang="en-US" sz="1600" dirty="0" err="1">
+                <a:solidFill>
+                  <a:schemeClr val="bg1">
+                    <a:lumMod val="50000"/>
+                    <a:lumOff val="50000"/>
+                  </a:schemeClr>
+                </a:solidFill>
+              </a:rPr>
+              <a:t>example</a:t>
+            </a:r>
+            <a:r>
+              <a:rPr lang="ko-KR" altLang="en-US" sz="1600" dirty="0">
+                <a:solidFill>
+                  <a:schemeClr val="bg1">
+                    <a:lumMod val="50000"/>
+                    <a:lumOff val="50000"/>
+                  </a:schemeClr>
+                </a:solidFill>
+              </a:rPr>
+              <a:t>. </a:t>
+            </a:r>
+            <a:r>
+              <a:rPr lang="ko-KR" altLang="en-US" sz="1600" dirty="0" err="1">
+                <a:solidFill>
+                  <a:schemeClr val="bg1">
+                    <a:lumMod val="50000"/>
+                    <a:lumOff val="50000"/>
+                  </a:schemeClr>
+                </a:solidFill>
+              </a:rPr>
+              <a:t>It</a:t>
+            </a:r>
+            <a:r>
+              <a:rPr lang="ko-KR" altLang="en-US" sz="1600" dirty="0">
+                <a:solidFill>
+                  <a:schemeClr val="bg1">
+                    <a:lumMod val="50000"/>
+                    <a:lumOff val="50000"/>
+                  </a:schemeClr>
+                </a:solidFill>
+              </a:rPr>
+              <a:t> </a:t>
+            </a:r>
+            <a:r>
+              <a:rPr lang="ko-KR" altLang="en-US" sz="1600" dirty="0" err="1">
+                <a:solidFill>
+                  <a:schemeClr val="bg1">
+                    <a:lumMod val="50000"/>
+                    <a:lumOff val="50000"/>
+                  </a:schemeClr>
+                </a:solidFill>
+              </a:rPr>
+              <a:t>may</a:t>
+            </a:r>
+            <a:r>
+              <a:rPr lang="ko-KR" altLang="en-US" sz="1600" dirty="0">
+                <a:solidFill>
+                  <a:schemeClr val="bg1">
+                    <a:lumMod val="50000"/>
+                    <a:lumOff val="50000"/>
+                  </a:schemeClr>
+                </a:solidFill>
+              </a:rPr>
+              <a:t> </a:t>
+            </a:r>
+            <a:r>
+              <a:rPr lang="ko-KR" altLang="en-US" sz="1600" dirty="0" err="1">
+                <a:solidFill>
+                  <a:schemeClr val="bg1">
+                    <a:lumMod val="50000"/>
+                    <a:lumOff val="50000"/>
+                  </a:schemeClr>
+                </a:solidFill>
+              </a:rPr>
+              <a:t>differ</a:t>
+            </a:r>
+            <a:r>
+              <a:rPr lang="ko-KR" altLang="en-US" sz="1600" dirty="0">
+                <a:solidFill>
+                  <a:schemeClr val="bg1">
+                    <a:lumMod val="50000"/>
+                    <a:lumOff val="50000"/>
+                  </a:schemeClr>
+                </a:solidFill>
+              </a:rPr>
+              <a:t> </a:t>
+            </a:r>
+            <a:r>
+              <a:rPr lang="ko-KR" altLang="en-US" sz="1600" dirty="0" err="1">
+                <a:solidFill>
+                  <a:schemeClr val="bg1">
+                    <a:lumMod val="50000"/>
+                    <a:lumOff val="50000"/>
+                  </a:schemeClr>
+                </a:solidFill>
+              </a:rPr>
+              <a:t>from</a:t>
+            </a:r>
+            <a:r>
+              <a:rPr lang="ko-KR" altLang="en-US" sz="1600" dirty="0">
+                <a:solidFill>
+                  <a:schemeClr val="bg1">
+                    <a:lumMod val="50000"/>
+                    <a:lumOff val="50000"/>
+                  </a:schemeClr>
+                </a:solidFill>
+              </a:rPr>
+              <a:t> </a:t>
+            </a:r>
+            <a:r>
+              <a:rPr lang="ko-KR" altLang="en-US" sz="1600" dirty="0" err="1">
+                <a:solidFill>
+                  <a:schemeClr val="bg1">
+                    <a:lumMod val="50000"/>
+                    <a:lumOff val="50000"/>
+                  </a:schemeClr>
+                </a:solidFill>
+              </a:rPr>
+              <a:t>the</a:t>
+            </a:r>
+            <a:r>
+              <a:rPr lang="ko-KR" altLang="en-US" sz="1600" dirty="0">
+                <a:solidFill>
+                  <a:schemeClr val="bg1">
+                    <a:lumMod val="50000"/>
+                    <a:lumOff val="50000"/>
+                  </a:schemeClr>
+                </a:solidFill>
+              </a:rPr>
+              <a:t> </a:t>
+            </a:r>
+            <a:r>
+              <a:rPr lang="ko-KR" altLang="en-US" sz="1600" dirty="0" err="1">
+                <a:solidFill>
+                  <a:schemeClr val="bg1">
+                    <a:lumMod val="50000"/>
+                    <a:lumOff val="50000"/>
+                  </a:schemeClr>
+                </a:solidFill>
+              </a:rPr>
+              <a:t>actual</a:t>
+            </a:r>
+            <a:r>
+              <a:rPr lang="ko-KR" altLang="en-US" sz="1600" dirty="0">
+                <a:solidFill>
+                  <a:schemeClr val="bg1">
+                    <a:lumMod val="50000"/>
+                    <a:lumOff val="50000"/>
+                  </a:schemeClr>
+                </a:solidFill>
+              </a:rPr>
+              <a:t>.)</a:t>
+            </a:r>
+          </a:p>
+        </p:txBody>
+      </p:sp>
     </p:spTree>
     <p:extLst>
       <p:ext uri="{BB962C8B-B14F-4D97-AF65-F5344CB8AC3E}">
